--- a/zhonghui/新本币/2021/其他/报价行情升级.pptx
+++ b/zhonghui/新本币/2021/其他/报价行情升级.pptx
@@ -11352,7 +11352,7 @@
             </a:r>
             <a:r>
               <a:rPr lang="zh-CN" altLang="en-US" sz="1600"/>
-              <a:t>借鉴于微服务或分布式相关理念来进行业务拆分。依据功能完整、数据同构、职责单一的原则，兼顾定可靠和高并发计算的系统要求进行横向拆分为数据接收与转发、推送管理、行情查询、实时公有行情、实时私有行情、其它(意向)报价行情、行情持久化、数据逻辑处理。</a:t>
+              <a:t>借鉴于微服务或分布式相关理念来进行业务拆分。依据功能完整、职责单一的原则，兼顾定可靠和高并发计算的系统要求进行横向拆分为数据接收与转发、推送管理、行情查询、实时公有行情、实时私有行情、其它(意向)报价行情、行情持久化、数据逻辑处理。</a:t>
             </a:r>
             <a:endParaRPr lang="zh-CN" altLang="en-US" sz="1600"/>
           </a:p>
